--- a/slides/03.pptx
+++ b/slides/03.pptx
@@ -122,6 +122,22 @@
       </a:defRPr>
     </a:lvl9pPr>
   </p:defaultTextStyle>
+  <p:extLst>
+    <p:ext uri="{EFAFB233-063F-42B5-8137-9DF3F51BA10A}">
+      <p15:sldGuideLst xmlns:p15="http://schemas.microsoft.com/office/powerpoint/2012/main">
+        <p15:guide id="1" orient="horz" pos="2160">
+          <p15:clr>
+            <a:srgbClr val="A4A3A4"/>
+          </p15:clr>
+        </p15:guide>
+        <p15:guide id="2" pos="2880">
+          <p15:clr>
+            <a:srgbClr val="A4A3A4"/>
+          </p15:clr>
+        </p15:guide>
+      </p15:sldGuideLst>
+    </p:ext>
+  </p:extLst>
 </p:presentation>
 </file>
 
@@ -207,7 +223,7 @@
           <a:p>
             <a:fld id="{2A94AA5B-A8EE-4DCD-80A3-7365DA41FF59}" type="datetimeFigureOut">
               <a:rPr lang="en-US" smtClean="0"/>
-              <a:t>1/26/2018</a:t>
+              <a:t>03/11/2018</a:t>
             </a:fld>
             <a:endParaRPr lang="en-US"/>
           </a:p>
@@ -626,6 +642,113 @@
         </p:txBody>
       </p:sp>
     </p:spTree>
+    <p:extLst>
+      <p:ext uri="{BB962C8B-B14F-4D97-AF65-F5344CB8AC3E}">
+        <p14:creationId xmlns:p14="http://schemas.microsoft.com/office/powerpoint/2010/main" val="1652917426"/>
+      </p:ext>
+    </p:extLst>
+  </p:cSld>
+  <p:clrMapOvr>
+    <a:masterClrMapping/>
+  </p:clrMapOvr>
+</p:notes>
+</file>
+
+<file path=ppt/notesSlides/notesSlide2.xml><?xml version="1.0" encoding="utf-8"?>
+<p:notes xmlns:a="http://schemas.openxmlformats.org/drawingml/2006/main" xmlns:r="http://schemas.openxmlformats.org/officeDocument/2006/relationships" xmlns:p="http://schemas.openxmlformats.org/presentationml/2006/main">
+  <p:cSld>
+    <p:spTree>
+      <p:nvGrpSpPr>
+        <p:cNvPr id="1" name=""/>
+        <p:cNvGrpSpPr/>
+        <p:nvPr/>
+      </p:nvGrpSpPr>
+      <p:grpSpPr>
+        <a:xfrm>
+          <a:off x="0" y="0"/>
+          <a:ext cx="0" cy="0"/>
+          <a:chOff x="0" y="0"/>
+          <a:chExt cx="0" cy="0"/>
+        </a:xfrm>
+      </p:grpSpPr>
+      <p:sp>
+        <p:nvSpPr>
+          <p:cNvPr id="2" name="Slide Image Placeholder 1"/>
+          <p:cNvSpPr>
+            <a:spLocks noGrp="1" noRot="1" noChangeAspect="1"/>
+          </p:cNvSpPr>
+          <p:nvPr>
+            <p:ph type="sldImg"/>
+          </p:nvPr>
+        </p:nvSpPr>
+        <p:spPr/>
+      </p:sp>
+      <p:sp>
+        <p:nvSpPr>
+          <p:cNvPr id="3" name="Notes Placeholder 2"/>
+          <p:cNvSpPr>
+            <a:spLocks noGrp="1"/>
+          </p:cNvSpPr>
+          <p:nvPr>
+            <p:ph type="body" idx="1"/>
+          </p:nvPr>
+        </p:nvSpPr>
+        <p:spPr/>
+        <p:txBody>
+          <a:bodyPr/>
+          <a:lstStyle/>
+          <a:p>
+            <a:r>
+              <a:rPr lang="en-US" dirty="0" smtClean="0"/>
+              <a:t>Component </a:t>
+            </a:r>
+            <a:r>
+              <a:rPr lang="en-US" dirty="0" err="1" smtClean="0"/>
+              <a:t>trong</a:t>
+            </a:r>
+            <a:r>
+              <a:rPr lang="en-US" dirty="0" smtClean="0"/>
+              <a:t> module</a:t>
+            </a:r>
+          </a:p>
+          <a:p>
+            <a:r>
+              <a:rPr lang="en-US" dirty="0" smtClean="0"/>
+              <a:t>Service </a:t>
+            </a:r>
+            <a:endParaRPr lang="en-US" dirty="0"/>
+          </a:p>
+        </p:txBody>
+      </p:sp>
+      <p:sp>
+        <p:nvSpPr>
+          <p:cNvPr id="4" name="Slide Number Placeholder 3"/>
+          <p:cNvSpPr>
+            <a:spLocks noGrp="1"/>
+          </p:cNvSpPr>
+          <p:nvPr>
+            <p:ph type="sldNum" sz="quarter" idx="10"/>
+          </p:nvPr>
+        </p:nvSpPr>
+        <p:spPr/>
+        <p:txBody>
+          <a:bodyPr/>
+          <a:lstStyle/>
+          <a:p>
+            <a:fld id="{D82850F9-8FC9-42C6-AA8E-B826FF277AD5}" type="slidenum">
+              <a:rPr lang="en-US" smtClean="0"/>
+              <a:t>2</a:t>
+            </a:fld>
+            <a:endParaRPr lang="en-US"/>
+          </a:p>
+        </p:txBody>
+      </p:sp>
+    </p:spTree>
+    <p:extLst>
+      <p:ext uri="{BB962C8B-B14F-4D97-AF65-F5344CB8AC3E}">
+        <p14:creationId xmlns:p14="http://schemas.microsoft.com/office/powerpoint/2010/main" val="1957929732"/>
+      </p:ext>
+    </p:extLst>
   </p:cSld>
   <p:clrMapOvr>
     <a:masterClrMapping/>
@@ -697,7 +820,7 @@
           <a:p>
             <a:fld id="{D33393BA-71B2-418D-8C60-58889831A0EC}" type="datetimeFigureOut">
               <a:rPr lang="en-US" smtClean="0"/>
-              <a:t>1/26/2018</a:t>
+              <a:t>03/11/2018</a:t>
             </a:fld>
             <a:endParaRPr lang="en-US"/>
           </a:p>
@@ -1020,7 +1143,7 @@
           <a:p>
             <a:fld id="{D33393BA-71B2-418D-8C60-58889831A0EC}" type="datetimeFigureOut">
               <a:rPr lang="en-US" smtClean="0"/>
-              <a:t>1/26/2018</a:t>
+              <a:t>03/11/2018</a:t>
             </a:fld>
             <a:endParaRPr lang="en-US"/>
           </a:p>
@@ -1212,7 +1335,7 @@
           <a:p>
             <a:fld id="{D33393BA-71B2-418D-8C60-58889831A0EC}" type="datetimeFigureOut">
               <a:rPr lang="en-US" smtClean="0"/>
-              <a:t>1/26/2018</a:t>
+              <a:t>03/11/2018</a:t>
             </a:fld>
             <a:endParaRPr lang="en-US"/>
           </a:p>
@@ -1380,7 +1503,7 @@
           <a:p>
             <a:fld id="{D33393BA-71B2-418D-8C60-58889831A0EC}" type="datetimeFigureOut">
               <a:rPr lang="en-US" smtClean="0"/>
-              <a:t>1/26/2018</a:t>
+              <a:t>03/11/2018</a:t>
             </a:fld>
             <a:endParaRPr lang="en-US"/>
           </a:p>
@@ -1558,7 +1681,7 @@
           <a:p>
             <a:fld id="{D33393BA-71B2-418D-8C60-58889831A0EC}" type="datetimeFigureOut">
               <a:rPr lang="en-US" smtClean="0"/>
-              <a:t>1/26/2018</a:t>
+              <a:t>03/11/2018</a:t>
             </a:fld>
             <a:endParaRPr lang="en-US"/>
           </a:p>
@@ -1850,7 +1973,7 @@
           <a:p>
             <a:fld id="{D33393BA-71B2-418D-8C60-58889831A0EC}" type="datetimeFigureOut">
               <a:rPr lang="en-US" smtClean="0"/>
-              <a:t>1/26/2018</a:t>
+              <a:t>03/11/2018</a:t>
             </a:fld>
             <a:endParaRPr lang="en-US"/>
           </a:p>
@@ -2120,7 +2243,7 @@
             <a:fld id="{8F97F932-D99A-4087-BFB1-EA42FAFC8D2C}" type="datetime1">
               <a:rPr lang="en-US" smtClean="0"/>
               <a:pPr/>
-              <a:t>1/26/2018</a:t>
+              <a:t>03/11/2018</a:t>
             </a:fld>
             <a:endParaRPr lang="en-US"/>
           </a:p>
@@ -2419,7 +2542,7 @@
           <a:p>
             <a:fld id="{D33393BA-71B2-418D-8C60-58889831A0EC}" type="datetimeFigureOut">
               <a:rPr lang="en-US" smtClean="0"/>
-              <a:t>1/26/2018</a:t>
+              <a:t>03/11/2018</a:t>
             </a:fld>
             <a:endParaRPr lang="en-US"/>
           </a:p>
@@ -2712,7 +2835,7 @@
           <a:p>
             <a:fld id="{D33393BA-71B2-418D-8C60-58889831A0EC}" type="datetimeFigureOut">
               <a:rPr lang="en-US" smtClean="0"/>
-              <a:t>1/26/2018</a:t>
+              <a:t>03/11/2018</a:t>
             </a:fld>
             <a:endParaRPr lang="en-US"/>
           </a:p>
@@ -3140,7 +3263,7 @@
           <a:p>
             <a:fld id="{D33393BA-71B2-418D-8C60-58889831A0EC}" type="datetimeFigureOut">
               <a:rPr lang="en-US" smtClean="0"/>
-              <a:t>1/26/2018</a:t>
+              <a:t>03/11/2018</a:t>
             </a:fld>
             <a:endParaRPr lang="en-US"/>
           </a:p>
@@ -3370,7 +3493,7 @@
           <a:p>
             <a:fld id="{D33393BA-71B2-418D-8C60-58889831A0EC}" type="datetimeFigureOut">
               <a:rPr lang="en-US" smtClean="0"/>
-              <a:t>1/26/2018</a:t>
+              <a:t>03/11/2018</a:t>
             </a:fld>
             <a:endParaRPr lang="en-US"/>
           </a:p>
@@ -3460,7 +3583,7 @@
           <a:p>
             <a:fld id="{D33393BA-71B2-418D-8C60-58889831A0EC}" type="datetimeFigureOut">
               <a:rPr lang="en-US" smtClean="0"/>
-              <a:t>1/26/2018</a:t>
+              <a:t>03/11/2018</a:t>
             </a:fld>
             <a:endParaRPr lang="en-US"/>
           </a:p>
@@ -3710,7 +3833,7 @@
           <a:p>
             <a:fld id="{D33393BA-71B2-418D-8C60-58889831A0EC}" type="datetimeFigureOut">
               <a:rPr lang="en-US" smtClean="0"/>
-              <a:t>1/26/2018</a:t>
+              <a:t>03/11/2018</a:t>
             </a:fld>
             <a:endParaRPr lang="en-US"/>
           </a:p>
@@ -4226,7 +4349,7 @@
           <a:p>
             <a:fld id="{D33393BA-71B2-418D-8C60-58889831A0EC}" type="datetimeFigureOut">
               <a:rPr lang="en-US" smtClean="0"/>
-              <a:t>1/26/2018</a:t>
+              <a:t>03/11/2018</a:t>
             </a:fld>
             <a:endParaRPr lang="en-US"/>
           </a:p>
@@ -4391,7 +4514,7 @@
           <a:p>
             <a:fld id="{D33393BA-71B2-418D-8C60-58889831A0EC}" type="datetimeFigureOut">
               <a:rPr lang="en-US" smtClean="0"/>
-              <a:t>1/26/2018</a:t>
+              <a:t>03/11/2018</a:t>
             </a:fld>
             <a:endParaRPr lang="en-US"/>
           </a:p>
@@ -4566,7 +4689,7 @@
           <a:p>
             <a:fld id="{D33393BA-71B2-418D-8C60-58889831A0EC}" type="datetimeFigureOut">
               <a:rPr lang="en-US" smtClean="0"/>
-              <a:t>1/26/2018</a:t>
+              <a:t>03/11/2018</a:t>
             </a:fld>
             <a:endParaRPr lang="en-US"/>
           </a:p>
@@ -4814,7 +4937,7 @@
           <a:p>
             <a:fld id="{D33393BA-71B2-418D-8C60-58889831A0EC}" type="datetimeFigureOut">
               <a:rPr lang="en-US" smtClean="0"/>
-              <a:t>1/26/2018</a:t>
+              <a:t>03/11/2018</a:t>
             </a:fld>
             <a:endParaRPr lang="en-US"/>
           </a:p>
@@ -4998,7 +5121,7 @@
             <a:fld id="{8F97F932-D99A-4087-BFB1-EA42FAFC8D2C}" type="datetime1">
               <a:rPr lang="en-US" smtClean="0"/>
               <a:pPr/>
-              <a:t>1/26/2018</a:t>
+              <a:t>03/11/2018</a:t>
             </a:fld>
             <a:endParaRPr lang="en-US"/>
           </a:p>
@@ -5261,7 +5384,7 @@
           <a:p>
             <a:fld id="{D33393BA-71B2-418D-8C60-58889831A0EC}" type="datetimeFigureOut">
               <a:rPr lang="en-US" smtClean="0"/>
-              <a:t>1/26/2018</a:t>
+              <a:t>03/11/2018</a:t>
             </a:fld>
             <a:endParaRPr lang="en-US"/>
           </a:p>
@@ -5609,7 +5732,7 @@
           <a:p>
             <a:fld id="{D33393BA-71B2-418D-8C60-58889831A0EC}" type="datetimeFigureOut">
               <a:rPr lang="en-US" smtClean="0"/>
-              <a:t>1/26/2018</a:t>
+              <a:t>03/11/2018</a:t>
             </a:fld>
             <a:endParaRPr lang="en-US"/>
           </a:p>
@@ -5864,7 +5987,7 @@
           <a:p>
             <a:fld id="{D33393BA-71B2-418D-8C60-58889831A0EC}" type="datetimeFigureOut">
               <a:rPr lang="en-US" smtClean="0"/>
-              <a:t>1/26/2018</a:t>
+              <a:t>03/11/2018</a:t>
             </a:fld>
             <a:endParaRPr lang="en-US"/>
           </a:p>
@@ -6128,7 +6251,7 @@
           <a:p>
             <a:fld id="{D33393BA-71B2-418D-8C60-58889831A0EC}" type="datetimeFigureOut">
               <a:rPr lang="en-US" smtClean="0"/>
-              <a:t>1/26/2018</a:t>
+              <a:t>03/11/2018</a:t>
             </a:fld>
             <a:endParaRPr lang="en-US"/>
           </a:p>
@@ -6355,7 +6478,7 @@
           <a:p>
             <a:fld id="{D33393BA-71B2-418D-8C60-58889831A0EC}" type="datetimeFigureOut">
               <a:rPr lang="en-US" smtClean="0"/>
-              <a:t>1/26/2018</a:t>
+              <a:t>03/11/2018</a:t>
             </a:fld>
             <a:endParaRPr lang="en-US"/>
           </a:p>
@@ -6445,7 +6568,7 @@
           <a:p>
             <a:fld id="{D33393BA-71B2-418D-8C60-58889831A0EC}" type="datetimeFigureOut">
               <a:rPr lang="en-US" smtClean="0"/>
-              <a:t>1/26/2018</a:t>
+              <a:t>03/11/2018</a:t>
             </a:fld>
             <a:endParaRPr lang="en-US"/>
           </a:p>
@@ -6733,7 +6856,7 @@
           <a:p>
             <a:fld id="{D33393BA-71B2-418D-8C60-58889831A0EC}" type="datetimeFigureOut">
               <a:rPr lang="en-US" smtClean="0"/>
-              <a:t>1/26/2018</a:t>
+              <a:t>03/11/2018</a:t>
             </a:fld>
             <a:endParaRPr lang="en-US"/>
           </a:p>
@@ -7002,7 +7125,7 @@
           <a:p>
             <a:fld id="{D33393BA-71B2-418D-8C60-58889831A0EC}" type="datetimeFigureOut">
               <a:rPr lang="en-US" smtClean="0"/>
-              <a:t>1/26/2018</a:t>
+              <a:t>03/11/2018</a:t>
             </a:fld>
             <a:endParaRPr lang="en-US"/>
           </a:p>
@@ -7167,7 +7290,7 @@
           <a:p>
             <a:fld id="{D33393BA-71B2-418D-8C60-58889831A0EC}" type="datetimeFigureOut">
               <a:rPr lang="en-US" smtClean="0"/>
-              <a:t>1/26/2018</a:t>
+              <a:t>03/11/2018</a:t>
             </a:fld>
             <a:endParaRPr lang="en-US"/>
           </a:p>
@@ -7342,7 +7465,7 @@
           <a:p>
             <a:fld id="{D33393BA-71B2-418D-8C60-58889831A0EC}" type="datetimeFigureOut">
               <a:rPr lang="en-US" smtClean="0"/>
-              <a:t>1/26/2018</a:t>
+              <a:t>03/11/2018</a:t>
             </a:fld>
             <a:endParaRPr lang="en-US"/>
           </a:p>
@@ -7629,7 +7752,7 @@
           <a:p>
             <a:fld id="{D33393BA-71B2-418D-8C60-58889831A0EC}" type="datetimeFigureOut">
               <a:rPr lang="en-US" smtClean="0"/>
-              <a:t>1/26/2018</a:t>
+              <a:t>03/11/2018</a:t>
             </a:fld>
             <a:endParaRPr lang="en-US"/>
           </a:p>
@@ -8068,7 +8191,7 @@
           <a:p>
             <a:fld id="{D33393BA-71B2-418D-8C60-58889831A0EC}" type="datetimeFigureOut">
               <a:rPr lang="en-US" smtClean="0"/>
-              <a:t>1/26/2018</a:t>
+              <a:t>03/11/2018</a:t>
             </a:fld>
             <a:endParaRPr lang="en-US"/>
           </a:p>
@@ -8198,7 +8321,7 @@
           <a:p>
             <a:fld id="{D33393BA-71B2-418D-8C60-58889831A0EC}" type="datetimeFigureOut">
               <a:rPr lang="en-US" smtClean="0"/>
-              <a:t>1/26/2018</a:t>
+              <a:t>03/11/2018</a:t>
             </a:fld>
             <a:endParaRPr lang="en-US"/>
           </a:p>
@@ -8305,7 +8428,7 @@
           <a:p>
             <a:fld id="{D33393BA-71B2-418D-8C60-58889831A0EC}" type="datetimeFigureOut">
               <a:rPr lang="en-US" smtClean="0"/>
-              <a:t>1/26/2018</a:t>
+              <a:t>03/11/2018</a:t>
             </a:fld>
             <a:endParaRPr lang="en-US"/>
           </a:p>
@@ -8594,7 +8717,7 @@
           <a:p>
             <a:fld id="{D33393BA-71B2-418D-8C60-58889831A0EC}" type="datetimeFigureOut">
               <a:rPr lang="en-US" smtClean="0"/>
-              <a:t>1/26/2018</a:t>
+              <a:t>03/11/2018</a:t>
             </a:fld>
             <a:endParaRPr lang="en-US"/>
           </a:p>
@@ -8863,7 +8986,7 @@
           <a:p>
             <a:fld id="{D33393BA-71B2-418D-8C60-58889831A0EC}" type="datetimeFigureOut">
               <a:rPr lang="en-US" smtClean="0"/>
-              <a:t>1/26/2018</a:t>
+              <a:t>03/11/2018</a:t>
             </a:fld>
             <a:endParaRPr lang="en-US"/>
           </a:p>
@@ -9123,7 +9246,7 @@
           <a:p>
             <a:fld id="{D33393BA-71B2-418D-8C60-58889831A0EC}" type="datetimeFigureOut">
               <a:rPr lang="en-US" smtClean="0"/>
-              <a:t>1/26/2018</a:t>
+              <a:t>03/11/2018</a:t>
             </a:fld>
             <a:endParaRPr lang="en-US"/>
           </a:p>
@@ -9964,7 +10087,7 @@
           <a:p>
             <a:fld id="{D33393BA-71B2-418D-8C60-58889831A0EC}" type="datetimeFigureOut">
               <a:rPr lang="en-US" smtClean="0"/>
-              <a:t>1/26/2018</a:t>
+              <a:t>03/11/2018</a:t>
             </a:fld>
             <a:endParaRPr lang="en-US"/>
           </a:p>
@@ -10645,7 +10768,7 @@
           <a:p>
             <a:fld id="{D33393BA-71B2-418D-8C60-58889831A0EC}" type="datetimeFigureOut">
               <a:rPr lang="en-US" smtClean="0"/>
-              <a:t>1/26/2018</a:t>
+              <a:t>03/11/2018</a:t>
             </a:fld>
             <a:endParaRPr lang="en-US"/>
           </a:p>
@@ -13467,7 +13590,7 @@
           <p:nvPr/>
         </p:nvPicPr>
         <p:blipFill>
-          <a:blip r:embed="rId2">
+          <a:blip r:embed="rId3">
             <a:extLst>
               <a:ext uri="{28A0092B-C50C-407E-A947-70E740481C1C}">
                 <a14:useLocalDpi xmlns:a14="http://schemas.microsoft.com/office/drawing/2010/main" val="0"/>
@@ -15821,13 +15944,6 @@
               </a:rPr>
               <a:t>@angular/cli </a:t>
             </a:r>
-            <a:endParaRPr lang="en-US" sz="2800" b="1" i="1" dirty="0" smtClean="0">
-              <a:solidFill>
-                <a:schemeClr val="tx2"/>
-              </a:solidFill>
-              <a:latin typeface="Times New Roman" panose="02020603050405020304" pitchFamily="18" charset="0"/>
-              <a:cs typeface="Times New Roman" panose="02020603050405020304" pitchFamily="18" charset="0"/>
-            </a:endParaRPr>
           </a:p>
           <a:p>
             <a:r>
@@ -16537,19 +16653,7 @@
                 <a:latin typeface="Times New Roman" panose="02020603050405020304" pitchFamily="18" charset="0"/>
                 <a:cs typeface="Times New Roman" panose="02020603050405020304" pitchFamily="18" charset="0"/>
               </a:rPr>
-              <a:t>Http </a:t>
-            </a:r>
-            <a:r>
-              <a:rPr lang="en-US" sz="2800" b="1" smtClean="0">
-                <a:solidFill>
-                  <a:schemeClr val="accent1">
-                    <a:lumMod val="50000"/>
-                  </a:schemeClr>
-                </a:solidFill>
-                <a:latin typeface="Times New Roman" panose="02020603050405020304" pitchFamily="18" charset="0"/>
-                <a:cs typeface="Times New Roman" panose="02020603050405020304" pitchFamily="18" charset="0"/>
-              </a:rPr>
-              <a:t>Module</a:t>
+              <a:t>Http Module</a:t>
             </a:r>
             <a:endParaRPr lang="en-US" sz="2800" i="1" dirty="0">
               <a:solidFill>
